--- a/4.DOCKER.pptx
+++ b/4.DOCKER.pptx
@@ -5,10 +5,10 @@
     <p:sldMasterId id="2147483816" r:id="rId1"/>
   </p:sldMasterIdLst>
   <p:notesMasterIdLst>
-    <p:notesMasterId r:id="rId70"/>
+    <p:notesMasterId r:id="rId76"/>
   </p:notesMasterIdLst>
   <p:handoutMasterIdLst>
-    <p:handoutMasterId r:id="rId71"/>
+    <p:handoutMasterId r:id="rId77"/>
   </p:handoutMasterIdLst>
   <p:sldIdLst>
     <p:sldId id="258" r:id="rId2"/>
@@ -77,8 +77,14 @@
     <p:sldId id="1371" r:id="rId65"/>
     <p:sldId id="1372" r:id="rId66"/>
     <p:sldId id="1374" r:id="rId67"/>
-    <p:sldId id="1375" r:id="rId68"/>
-    <p:sldId id="1373" r:id="rId69"/>
+    <p:sldId id="1376" r:id="rId68"/>
+    <p:sldId id="1375" r:id="rId69"/>
+    <p:sldId id="1373" r:id="rId70"/>
+    <p:sldId id="1377" r:id="rId71"/>
+    <p:sldId id="1378" r:id="rId72"/>
+    <p:sldId id="1379" r:id="rId73"/>
+    <p:sldId id="1380" r:id="rId74"/>
+    <p:sldId id="1381" r:id="rId75"/>
   </p:sldIdLst>
   <p:sldSz cx="9144000" cy="6858000" type="screen4x3"/>
   <p:notesSz cx="6881813" cy="9296400"/>
@@ -273,17 +279,23 @@
             <p14:sldId id="1365"/>
             <p14:sldId id="1366"/>
             <p14:sldId id="1367"/>
+            <p14:sldId id="1368"/>
+            <p14:sldId id="1370"/>
           </p14:sldIdLst>
         </p14:section>
-        <p14:section name="Untitled Section" id="{6A166180-568E-4F1B-B686-06F23B399E98}">
+        <p14:section name="Advanced" id="{6A166180-568E-4F1B-B686-06F23B399E98}">
           <p14:sldIdLst>
-            <p14:sldId id="1368"/>
-            <p14:sldId id="1370"/>
             <p14:sldId id="1371"/>
             <p14:sldId id="1372"/>
             <p14:sldId id="1374"/>
+            <p14:sldId id="1376"/>
             <p14:sldId id="1375"/>
             <p14:sldId id="1373"/>
+            <p14:sldId id="1377"/>
+            <p14:sldId id="1378"/>
+            <p14:sldId id="1379"/>
+            <p14:sldId id="1380"/>
+            <p14:sldId id="1381"/>
           </p14:sldIdLst>
         </p14:section>
       </p14:sectionLst>
@@ -25931,7 +25943,7 @@
                   <a:schemeClr val="bg1"/>
                 </a:solidFill>
               </a:rPr>
-              <a:t>                      -: Docker Swarm :-</a:t>
+              <a:t>Build &amp; Run 3 tire Application in docker</a:t>
             </a:r>
           </a:p>
         </p:txBody>
@@ -25954,7 +25966,7 @@
         </p:nvSpPr>
         <p:spPr>
           <a:xfrm>
-            <a:off x="0" y="662609"/>
+            <a:off x="0" y="649358"/>
             <a:ext cx="9143999" cy="6195391"/>
           </a:xfrm>
         </p:spPr>
@@ -25967,10 +25979,178 @@
             <a:pPr marL="0" indent="0">
               <a:buNone/>
             </a:pPr>
+            <a:r>
+              <a:rPr lang="en-US" sz="2000" b="1" i="1" dirty="0"/>
+              <a:t>Objective</a:t>
+            </a:r>
+            <a:r>
+              <a:rPr lang="en-US" sz="2000" dirty="0"/>
+              <a:t>:-</a:t>
+            </a:r>
+          </a:p>
+          <a:p>
+            <a:pPr>
+              <a:buFont typeface="Wingdings" panose="05000000000000000000" pitchFamily="2" charset="2"/>
+              <a:buChar char="v"/>
+            </a:pPr>
+            <a:r>
+              <a:rPr lang="en-US" sz="2000" dirty="0"/>
+              <a:t>Here we will see how to build and run a typical 3 tire application in docker.</a:t>
+            </a:r>
+          </a:p>
+          <a:p>
+            <a:pPr marL="0" indent="0">
+              <a:buNone/>
+            </a:pPr>
+            <a:r>
+              <a:rPr lang="en-US" sz="2000" dirty="0">
+                <a:solidFill>
+                  <a:srgbClr val="FF0000"/>
+                </a:solidFill>
+              </a:rPr>
+              <a:t>Note:-Knowledge of Micro Services &amp; Spring Boot is not mandatory</a:t>
+            </a:r>
+            <a:r>
+              <a:rPr lang="en-US" sz="2000" dirty="0"/>
+              <a:t>.</a:t>
+            </a:r>
+          </a:p>
+          <a:p>
+            <a:pPr marL="0" indent="0">
+              <a:buNone/>
+            </a:pPr>
+            <a:endParaRPr lang="en-US" sz="2000" dirty="0"/>
+          </a:p>
+          <a:p>
+            <a:pPr marL="0" indent="0">
+              <a:buNone/>
+            </a:pPr>
+            <a:endParaRPr lang="en-US" sz="2000" dirty="0"/>
+          </a:p>
+          <a:p>
+            <a:pPr marL="0" indent="0">
+              <a:buNone/>
+            </a:pPr>
+            <a:endParaRPr lang="en-US" sz="2000" dirty="0"/>
+          </a:p>
+          <a:p>
+            <a:pPr marL="0" indent="0">
+              <a:buNone/>
+            </a:pPr>
+            <a:endParaRPr lang="en-US" sz="2000" dirty="0"/>
+          </a:p>
+          <a:p>
+            <a:pPr marL="0" indent="0">
+              <a:buNone/>
+            </a:pPr>
+            <a:endParaRPr lang="en-US" sz="2000" dirty="0"/>
+          </a:p>
+          <a:p>
+            <a:pPr marL="0" indent="0">
+              <a:buNone/>
+            </a:pPr>
+            <a:endParaRPr lang="en-US" sz="2000" dirty="0"/>
+          </a:p>
+          <a:p>
+            <a:pPr marL="0" indent="0">
+              <a:buNone/>
+            </a:pPr>
+            <a:endParaRPr lang="en-US" sz="2000" dirty="0"/>
+          </a:p>
+          <a:p>
+            <a:pPr marL="0" indent="0">
+              <a:buNone/>
+            </a:pPr>
+            <a:endParaRPr lang="en-US" sz="2000" dirty="0"/>
+          </a:p>
+          <a:p>
+            <a:pPr marL="0" indent="0">
+              <a:buNone/>
+            </a:pPr>
+            <a:endParaRPr lang="en-US" sz="2000" dirty="0"/>
+          </a:p>
+          <a:p>
+            <a:pPr marL="0" indent="0">
+              <a:buNone/>
+            </a:pPr>
+            <a:endParaRPr lang="en-US" sz="2000" dirty="0"/>
+          </a:p>
+          <a:p>
+            <a:pPr marL="0" indent="0">
+              <a:buNone/>
+            </a:pPr>
+            <a:endParaRPr lang="en-US" sz="2000" dirty="0"/>
+          </a:p>
+          <a:p>
+            <a:pPr marL="0" indent="0">
+              <a:buNone/>
+            </a:pPr>
+            <a:r>
+              <a:rPr lang="en-US" sz="2000" dirty="0"/>
+              <a:t>          This Diagram shows here a typical 3 tire architecture.</a:t>
+            </a:r>
+          </a:p>
+          <a:p>
+            <a:pPr marL="0" indent="0">
+              <a:buNone/>
+            </a:pPr>
+            <a:endParaRPr lang="en-US" sz="2000" dirty="0"/>
+          </a:p>
+          <a:p>
+            <a:pPr marL="0" indent="0">
+              <a:buNone/>
+            </a:pPr>
             <a:endParaRPr lang="en-US" sz="2000" dirty="0"/>
           </a:p>
         </p:txBody>
       </p:sp>
+      <p:pic>
+        <p:nvPicPr>
+          <p:cNvPr id="1026" name="Picture 2" descr="Related image">
+            <a:extLst>
+              <a:ext uri="{FF2B5EF4-FFF2-40B4-BE49-F238E27FC236}">
+                <a16:creationId xmlns:a16="http://schemas.microsoft.com/office/drawing/2014/main" id="{530A908F-4E91-407A-AB42-43FC0338D09C}"/>
+              </a:ext>
+            </a:extLst>
+          </p:cNvPr>
+          <p:cNvPicPr>
+            <a:picLocks noChangeAspect="1" noChangeArrowheads="1"/>
+          </p:cNvPicPr>
+          <p:nvPr/>
+        </p:nvPicPr>
+        <p:blipFill>
+          <a:blip r:embed="rId2">
+            <a:extLst>
+              <a:ext uri="{28A0092B-C50C-407E-A947-70E740481C1C}">
+                <a14:useLocalDpi xmlns:a14="http://schemas.microsoft.com/office/drawing/2010/main" val="0"/>
+              </a:ext>
+            </a:extLst>
+          </a:blip>
+          <a:srcRect/>
+          <a:stretch>
+            <a:fillRect/>
+          </a:stretch>
+        </p:blipFill>
+        <p:spPr bwMode="auto">
+          <a:xfrm>
+            <a:off x="251790" y="2101922"/>
+            <a:ext cx="8150087" cy="4206114"/>
+          </a:xfrm>
+          <a:prstGeom prst="rect">
+            <a:avLst/>
+          </a:prstGeom>
+          <a:noFill/>
+          <a:extLst>
+            <a:ext uri="{909E8E84-426E-40DD-AFC4-6F175D3DCCD1}">
+              <a14:hiddenFill xmlns:a14="http://schemas.microsoft.com/office/drawing/2010/main">
+                <a:solidFill>
+                  <a:srgbClr val="FFFFFF"/>
+                </a:solidFill>
+              </a14:hiddenFill>
+            </a:ext>
+          </a:extLst>
+        </p:spPr>
+      </p:pic>
     </p:spTree>
     <p:extLst>
       <p:ext uri="{BB962C8B-B14F-4D97-AF65-F5344CB8AC3E}">
@@ -26041,7 +26221,7 @@
                   <a:schemeClr val="bg1"/>
                 </a:solidFill>
               </a:rPr>
-              <a:t>                      -: Docker Swarm :-</a:t>
+              <a:t>Build &amp; Run 3 tire Application in docker</a:t>
             </a:r>
           </a:p>
         </p:txBody>
@@ -26064,7 +26244,7 @@
         </p:nvSpPr>
         <p:spPr>
           <a:xfrm>
-            <a:off x="0" y="662609"/>
+            <a:off x="0" y="649358"/>
             <a:ext cx="9143999" cy="6195391"/>
           </a:xfrm>
         </p:spPr>
@@ -26074,6 +26254,82 @@
           </a:bodyPr>
           <a:lstStyle/>
           <a:p>
+            <a:pPr>
+              <a:buFont typeface="Wingdings" panose="05000000000000000000" pitchFamily="2" charset="2"/>
+              <a:buChar char="v"/>
+            </a:pPr>
+            <a:r>
+              <a:rPr lang="en-US" sz="2000" dirty="0"/>
+              <a:t>I have created a 3 tire application using spring boot and also created a .jar file out of the entire Application.</a:t>
+            </a:r>
+          </a:p>
+          <a:p>
+            <a:pPr>
+              <a:buFont typeface="Wingdings" panose="05000000000000000000" pitchFamily="2" charset="2"/>
+              <a:buChar char="v"/>
+            </a:pPr>
+            <a:endParaRPr lang="en-US" sz="2000" dirty="0"/>
+          </a:p>
+          <a:p>
+            <a:pPr>
+              <a:buFont typeface="Wingdings" panose="05000000000000000000" pitchFamily="2" charset="2"/>
+              <a:buChar char="v"/>
+            </a:pPr>
+            <a:endParaRPr lang="en-US" sz="2000" dirty="0"/>
+          </a:p>
+          <a:p>
+            <a:pPr>
+              <a:buFont typeface="Wingdings" panose="05000000000000000000" pitchFamily="2" charset="2"/>
+              <a:buChar char="v"/>
+            </a:pPr>
+            <a:endParaRPr lang="en-US" sz="2000" dirty="0"/>
+          </a:p>
+          <a:p>
+            <a:pPr>
+              <a:buFont typeface="Wingdings" panose="05000000000000000000" pitchFamily="2" charset="2"/>
+              <a:buChar char="v"/>
+            </a:pPr>
+            <a:endParaRPr lang="en-US" sz="2000" dirty="0"/>
+          </a:p>
+          <a:p>
+            <a:pPr>
+              <a:buFont typeface="Wingdings" panose="05000000000000000000" pitchFamily="2" charset="2"/>
+              <a:buChar char="v"/>
+            </a:pPr>
+            <a:endParaRPr lang="en-US" sz="2000" dirty="0"/>
+          </a:p>
+          <a:p>
+            <a:pPr>
+              <a:buFont typeface="Wingdings" panose="05000000000000000000" pitchFamily="2" charset="2"/>
+              <a:buChar char="v"/>
+            </a:pPr>
+            <a:endParaRPr lang="en-US" sz="2000" dirty="0"/>
+          </a:p>
+          <a:p>
+            <a:pPr>
+              <a:buFont typeface="Wingdings" panose="05000000000000000000" pitchFamily="2" charset="2"/>
+              <a:buChar char="v"/>
+            </a:pPr>
+            <a:r>
+              <a:rPr lang="en-US" sz="2000" dirty="0"/>
+              <a:t>I have written a </a:t>
+            </a:r>
+            <a:r>
+              <a:rPr lang="en-US" sz="2000" dirty="0" err="1"/>
+              <a:t>Dockerfile</a:t>
+            </a:r>
+            <a:r>
+              <a:rPr lang="en-US" sz="2000" dirty="0"/>
+              <a:t> </a:t>
+            </a:r>
+          </a:p>
+          <a:p>
+            <a:pPr marL="0" indent="0">
+              <a:buNone/>
+            </a:pPr>
+            <a:endParaRPr lang="en-US" sz="2000" dirty="0"/>
+          </a:p>
+          <a:p>
             <a:pPr marL="0" indent="0">
               <a:buNone/>
             </a:pPr>
@@ -26081,10 +26337,70 @@
           </a:p>
         </p:txBody>
       </p:sp>
+      <p:pic>
+        <p:nvPicPr>
+          <p:cNvPr id="4" name="Picture 3">
+            <a:extLst>
+              <a:ext uri="{FF2B5EF4-FFF2-40B4-BE49-F238E27FC236}">
+                <a16:creationId xmlns:a16="http://schemas.microsoft.com/office/drawing/2014/main" id="{44D4EF0B-8817-449D-8A2C-B570765047B4}"/>
+              </a:ext>
+            </a:extLst>
+          </p:cNvPr>
+          <p:cNvPicPr>
+            <a:picLocks noChangeAspect="1"/>
+          </p:cNvPicPr>
+          <p:nvPr/>
+        </p:nvPicPr>
+        <p:blipFill>
+          <a:blip r:embed="rId2"/>
+          <a:stretch>
+            <a:fillRect/>
+          </a:stretch>
+        </p:blipFill>
+        <p:spPr>
+          <a:xfrm>
+            <a:off x="92765" y="1368249"/>
+            <a:ext cx="8945218" cy="2037559"/>
+          </a:xfrm>
+          <a:prstGeom prst="rect">
+            <a:avLst/>
+          </a:prstGeom>
+        </p:spPr>
+      </p:pic>
+      <p:pic>
+        <p:nvPicPr>
+          <p:cNvPr id="5" name="Picture 4">
+            <a:extLst>
+              <a:ext uri="{FF2B5EF4-FFF2-40B4-BE49-F238E27FC236}">
+                <a16:creationId xmlns:a16="http://schemas.microsoft.com/office/drawing/2014/main" id="{6C06068C-CA65-475F-9E0B-DDD24516EFA2}"/>
+              </a:ext>
+            </a:extLst>
+          </p:cNvPr>
+          <p:cNvPicPr>
+            <a:picLocks noChangeAspect="1"/>
+          </p:cNvPicPr>
+          <p:nvPr/>
+        </p:nvPicPr>
+        <p:blipFill>
+          <a:blip r:embed="rId3"/>
+          <a:stretch>
+            <a:fillRect/>
+          </a:stretch>
+        </p:blipFill>
+        <p:spPr>
+          <a:xfrm>
+            <a:off x="92765" y="3949147"/>
+            <a:ext cx="8945218" cy="2584175"/>
+          </a:xfrm>
+          <a:prstGeom prst="rect">
+            <a:avLst/>
+          </a:prstGeom>
+        </p:spPr>
+      </p:pic>
     </p:spTree>
     <p:extLst>
       <p:ext uri="{BB962C8B-B14F-4D97-AF65-F5344CB8AC3E}">
-        <p14:creationId xmlns:p14="http://schemas.microsoft.com/office/powerpoint/2010/main" val="477333192"/>
+        <p14:creationId xmlns:p14="http://schemas.microsoft.com/office/powerpoint/2010/main" val="891533059"/>
       </p:ext>
     </p:extLst>
   </p:cSld>
@@ -26151,7 +26467,7 @@
                   <a:schemeClr val="bg1"/>
                 </a:solidFill>
               </a:rPr>
-              <a:t>       -:Docker Container Networking:-</a:t>
+              <a:t>                       -:continue…..</a:t>
             </a:r>
           </a:p>
         </p:txBody>
@@ -26187,7 +26503,629 @@
             <a:pPr marL="0" indent="0">
               <a:buNone/>
             </a:pPr>
+            <a:r>
+              <a:rPr lang="en-US" sz="2000" b="1" dirty="0">
+                <a:solidFill>
+                  <a:schemeClr val="bg2">
+                    <a:lumMod val="50000"/>
+                  </a:schemeClr>
+                </a:solidFill>
+              </a:rPr>
+              <a:t>FROM </a:t>
+            </a:r>
+            <a:r>
+              <a:rPr lang="en-US" sz="2000" b="1" dirty="0"/>
+              <a:t>openjdk:8-jre-alpine</a:t>
+            </a:r>
+          </a:p>
+          <a:p>
+            <a:pPr marL="0" indent="0">
+              <a:buNone/>
+            </a:pPr>
+            <a:r>
+              <a:rPr lang="en-US" sz="2000" dirty="0"/>
+              <a:t>The </a:t>
+            </a:r>
+            <a:r>
+              <a:rPr lang="en-US" sz="2000" b="1" i="1" dirty="0"/>
+              <a:t>From</a:t>
+            </a:r>
+            <a:r>
+              <a:rPr lang="en-US" sz="2000" dirty="0"/>
+              <a:t> directive defines the base image to use to start the build process.</a:t>
+            </a:r>
+          </a:p>
+          <a:p>
+            <a:pPr marL="0" indent="0">
+              <a:buNone/>
+            </a:pPr>
+            <a:r>
+              <a:rPr lang="en-US" sz="2000" dirty="0"/>
+              <a:t>If a FROM image is not found on the host, docker will try to find it (and download) from the docker image index.</a:t>
+            </a:r>
+          </a:p>
+          <a:p>
+            <a:pPr marL="0" indent="0">
+              <a:buNone/>
+            </a:pPr>
+            <a:r>
+              <a:rPr lang="en-US" sz="2000" dirty="0">
+                <a:solidFill>
+                  <a:schemeClr val="bg2">
+                    <a:lumMod val="50000"/>
+                  </a:schemeClr>
+                </a:solidFill>
+              </a:rPr>
+              <a:t>RUN</a:t>
+            </a:r>
+            <a:r>
+              <a:rPr lang="en-US" sz="2000" dirty="0"/>
+              <a:t> </a:t>
+            </a:r>
+            <a:r>
+              <a:rPr lang="en-US" sz="2000" b="1" dirty="0" err="1"/>
+              <a:t>apk</a:t>
+            </a:r>
+            <a:r>
+              <a:rPr lang="en-US" sz="2000" b="1" dirty="0"/>
+              <a:t> update &amp;&amp; </a:t>
+            </a:r>
+            <a:r>
+              <a:rPr lang="en-US" sz="2000" b="1" dirty="0" err="1"/>
+              <a:t>apk</a:t>
+            </a:r>
+            <a:r>
+              <a:rPr lang="en-US" sz="2000" b="1" dirty="0"/>
+              <a:t> add bash &amp;&amp; </a:t>
+            </a:r>
+            <a:r>
+              <a:rPr lang="en-US" sz="2000" b="1" dirty="0" err="1"/>
+              <a:t>apk</a:t>
+            </a:r>
+            <a:r>
+              <a:rPr lang="en-US" sz="2000" b="1" dirty="0"/>
+              <a:t> add </a:t>
+            </a:r>
+            <a:r>
+              <a:rPr lang="en-US" sz="2000" b="1" dirty="0" err="1"/>
+              <a:t>openssl</a:t>
+            </a:r>
+            <a:endParaRPr lang="en-US" sz="2000" b="1" dirty="0"/>
+          </a:p>
+          <a:p>
+            <a:pPr marL="0" indent="0">
+              <a:buNone/>
+            </a:pPr>
+            <a:r>
+              <a:rPr lang="en-US" sz="2000" dirty="0"/>
+              <a:t>The </a:t>
+            </a:r>
+            <a:r>
+              <a:rPr lang="en-US" sz="2000" b="1" i="1" dirty="0"/>
+              <a:t>RUN</a:t>
+            </a:r>
+            <a:r>
+              <a:rPr lang="en-US" sz="2000" dirty="0"/>
+              <a:t> command is the central executing directive for </a:t>
+            </a:r>
+            <a:r>
+              <a:rPr lang="en-US" sz="2000" dirty="0" err="1"/>
+              <a:t>Dockerfiles</a:t>
+            </a:r>
+            <a:r>
+              <a:rPr lang="en-US" sz="2000" dirty="0"/>
+              <a:t>. It takes a command as its argument and runs it to form the image</a:t>
+            </a:r>
+            <a:r>
+              <a:rPr lang="en-US" sz="2000" b="1" dirty="0"/>
+              <a:t>.</a:t>
+            </a:r>
+          </a:p>
+          <a:p>
+            <a:pPr marL="0" indent="0">
+              <a:buNone/>
+            </a:pPr>
+            <a:r>
+              <a:rPr lang="en-US" sz="2000" b="1" dirty="0">
+                <a:solidFill>
+                  <a:schemeClr val="bg2">
+                    <a:lumMod val="50000"/>
+                  </a:schemeClr>
+                </a:solidFill>
+              </a:rPr>
+              <a:t>RUN</a:t>
+            </a:r>
+            <a:r>
+              <a:rPr lang="en-US" sz="2000" b="1" dirty="0"/>
+              <a:t> </a:t>
+            </a:r>
+            <a:r>
+              <a:rPr lang="en-US" sz="2000" b="1" dirty="0" err="1"/>
+              <a:t>apk</a:t>
+            </a:r>
+            <a:r>
+              <a:rPr lang="en-US" sz="2000" b="1" dirty="0"/>
+              <a:t> add python curl </a:t>
+            </a:r>
+            <a:r>
+              <a:rPr lang="en-US" sz="2000" b="1" dirty="0" err="1"/>
+              <a:t>jq</a:t>
+            </a:r>
+            <a:endParaRPr lang="en-US" sz="2000" b="1" dirty="0"/>
+          </a:p>
+          <a:p>
+            <a:pPr marL="0" indent="0">
+              <a:buNone/>
+            </a:pPr>
+            <a:r>
+              <a:rPr lang="en-US" sz="2000" b="1" dirty="0">
+                <a:solidFill>
+                  <a:schemeClr val="bg2">
+                    <a:lumMod val="50000"/>
+                  </a:schemeClr>
+                </a:solidFill>
+              </a:rPr>
+              <a:t>RUN</a:t>
+            </a:r>
+            <a:r>
+              <a:rPr lang="en-US" sz="2000" b="1" dirty="0"/>
+              <a:t> curl -O https://bootstrap.pypa.io/get-pip.py &amp;&amp; python get-pip.py &amp;&amp; </a:t>
+            </a:r>
+            <a:r>
+              <a:rPr lang="en-US" sz="2000" b="1" dirty="0" err="1"/>
+              <a:t>rm</a:t>
+            </a:r>
+            <a:r>
+              <a:rPr lang="en-US" sz="2000" b="1" dirty="0"/>
+              <a:t> get-pip.py &amp;&amp;  pip install </a:t>
+            </a:r>
+            <a:r>
+              <a:rPr lang="en-US" sz="2000" b="1" dirty="0" err="1"/>
+              <a:t>awscli</a:t>
+            </a:r>
+            <a:endParaRPr lang="en-US" sz="2000" b="1" dirty="0"/>
+          </a:p>
+          <a:p>
+            <a:pPr marL="0" indent="0">
+              <a:buNone/>
+            </a:pPr>
+            <a:r>
+              <a:rPr lang="en-US" sz="2000" dirty="0"/>
+              <a:t>The </a:t>
+            </a:r>
+            <a:r>
+              <a:rPr lang="en-US" sz="2000" b="1" i="1" dirty="0"/>
+              <a:t>RUN</a:t>
+            </a:r>
+            <a:r>
+              <a:rPr lang="en-US" sz="2000" dirty="0"/>
+              <a:t> command is the central executing directive for </a:t>
+            </a:r>
+            <a:r>
+              <a:rPr lang="en-US" sz="2000" dirty="0" err="1"/>
+              <a:t>Dockerfiles</a:t>
+            </a:r>
+            <a:r>
+              <a:rPr lang="en-US" sz="2000" dirty="0"/>
+              <a:t>. It takes a command as its argument and runs it to form the image. Her we are directing the </a:t>
+            </a:r>
+            <a:r>
+              <a:rPr lang="en-US" sz="2000" dirty="0" err="1"/>
+              <a:t>Dockerfile</a:t>
+            </a:r>
+            <a:r>
+              <a:rPr lang="en-US" sz="2000" dirty="0"/>
+              <a:t> to execute </a:t>
+            </a:r>
+            <a:r>
+              <a:rPr lang="en-US" sz="2000" dirty="0" err="1"/>
+              <a:t>apk</a:t>
+            </a:r>
+            <a:r>
+              <a:rPr lang="en-US" sz="2000" dirty="0"/>
+              <a:t> tool to install </a:t>
+            </a:r>
+            <a:r>
+              <a:rPr lang="en-US" sz="2000" b="1" dirty="0"/>
+              <a:t>python</a:t>
+            </a:r>
+            <a:r>
+              <a:rPr lang="en-US" sz="2000" dirty="0"/>
+              <a:t> </a:t>
+            </a:r>
+            <a:r>
+              <a:rPr lang="en-US" sz="2000" b="1" dirty="0"/>
+              <a:t>curl</a:t>
+            </a:r>
+            <a:r>
+              <a:rPr lang="en-US" sz="2000" dirty="0"/>
+              <a:t> and </a:t>
+            </a:r>
+            <a:r>
+              <a:rPr lang="en-US" sz="2000" b="1" dirty="0" err="1"/>
+              <a:t>jq</a:t>
+            </a:r>
+            <a:r>
+              <a:rPr lang="en-US" sz="2000" dirty="0"/>
+              <a:t> software on a running system.</a:t>
+            </a:r>
+          </a:p>
+          <a:p>
+            <a:pPr marL="0" indent="0">
+              <a:buNone/>
+            </a:pPr>
+            <a:r>
+              <a:rPr lang="en-US" sz="2000" dirty="0">
+                <a:solidFill>
+                  <a:srgbClr val="FF0000"/>
+                </a:solidFill>
+              </a:rPr>
+              <a:t>Note:- </a:t>
+            </a:r>
+            <a:r>
+              <a:rPr lang="en-US" sz="2000" dirty="0" err="1">
+                <a:solidFill>
+                  <a:srgbClr val="FF0000"/>
+                </a:solidFill>
+              </a:rPr>
+              <a:t>jq</a:t>
+            </a:r>
+            <a:r>
+              <a:rPr lang="en-US" sz="2000" dirty="0">
+                <a:solidFill>
+                  <a:srgbClr val="FF0000"/>
+                </a:solidFill>
+              </a:rPr>
+              <a:t> is </a:t>
+            </a:r>
+            <a:r>
+              <a:rPr lang="en-US" sz="2000" dirty="0" err="1">
+                <a:solidFill>
+                  <a:srgbClr val="FF0000"/>
+                </a:solidFill>
+              </a:rPr>
+              <a:t>json</a:t>
+            </a:r>
+            <a:r>
+              <a:rPr lang="en-US" sz="2000" dirty="0">
+                <a:solidFill>
+                  <a:srgbClr val="FF0000"/>
+                </a:solidFill>
+              </a:rPr>
+              <a:t> parser(to read </a:t>
+            </a:r>
+            <a:r>
+              <a:rPr lang="en-US" sz="2000" dirty="0" err="1">
+                <a:solidFill>
+                  <a:srgbClr val="FF0000"/>
+                </a:solidFill>
+              </a:rPr>
+              <a:t>json</a:t>
+            </a:r>
+            <a:r>
+              <a:rPr lang="en-US" sz="2000" dirty="0">
+                <a:solidFill>
+                  <a:srgbClr val="FF0000"/>
+                </a:solidFill>
+              </a:rPr>
+              <a:t> format files).</a:t>
+            </a:r>
+          </a:p>
+          <a:p>
+            <a:pPr marL="0" indent="0">
+              <a:buNone/>
+            </a:pPr>
+            <a:r>
+              <a:rPr lang="en-US" sz="2000" dirty="0"/>
+              <a:t>Then we are downloading and installing </a:t>
+            </a:r>
+            <a:r>
+              <a:rPr lang="en-US" sz="2000" b="1" dirty="0"/>
+              <a:t>pip</a:t>
+            </a:r>
+            <a:r>
+              <a:rPr lang="en-US" sz="2000" dirty="0"/>
+              <a:t> for </a:t>
+            </a:r>
+            <a:r>
+              <a:rPr lang="en-US" sz="2000" dirty="0" err="1"/>
+              <a:t>awscli</a:t>
+            </a:r>
+            <a:r>
+              <a:rPr lang="en-US" sz="2000" dirty="0"/>
+              <a:t>(AWS Command Line Interface).</a:t>
+            </a:r>
+          </a:p>
+          <a:p>
+            <a:pPr marL="0" indent="0">
+              <a:buNone/>
+            </a:pPr>
             <a:endParaRPr lang="en-US" sz="2000" dirty="0"/>
+          </a:p>
+        </p:txBody>
+      </p:sp>
+    </p:spTree>
+    <p:extLst>
+      <p:ext uri="{BB962C8B-B14F-4D97-AF65-F5344CB8AC3E}">
+        <p14:creationId xmlns:p14="http://schemas.microsoft.com/office/powerpoint/2010/main" val="477333192"/>
+      </p:ext>
+    </p:extLst>
+  </p:cSld>
+  <p:clrMapOvr>
+    <a:masterClrMapping/>
+  </p:clrMapOvr>
+</p:sld>
+</file>
+
+<file path=ppt/slides/slide69.xml><?xml version="1.0" encoding="utf-8"?>
+<p:sld xmlns:a="http://schemas.openxmlformats.org/drawingml/2006/main" xmlns:r="http://schemas.openxmlformats.org/officeDocument/2006/relationships" xmlns:p="http://schemas.openxmlformats.org/presentationml/2006/main">
+  <p:cSld>
+    <p:spTree>
+      <p:nvGrpSpPr>
+        <p:cNvPr id="1" name=""/>
+        <p:cNvGrpSpPr/>
+        <p:nvPr/>
+      </p:nvGrpSpPr>
+      <p:grpSpPr>
+        <a:xfrm>
+          <a:off x="0" y="0"/>
+          <a:ext cx="0" cy="0"/>
+          <a:chOff x="0" y="0"/>
+          <a:chExt cx="0" cy="0"/>
+        </a:xfrm>
+      </p:grpSpPr>
+      <p:sp>
+        <p:nvSpPr>
+          <p:cNvPr id="2" name="Title 1">
+            <a:extLst>
+              <a:ext uri="{FF2B5EF4-FFF2-40B4-BE49-F238E27FC236}">
+                <a16:creationId xmlns:a16="http://schemas.microsoft.com/office/drawing/2014/main" id="{E17734A7-73D5-49DD-B9BF-8E6EED8BD100}"/>
+              </a:ext>
+            </a:extLst>
+          </p:cNvPr>
+          <p:cNvSpPr>
+            <a:spLocks noGrp="1"/>
+          </p:cNvSpPr>
+          <p:nvPr>
+            <p:ph type="title"/>
+          </p:nvPr>
+        </p:nvSpPr>
+        <p:spPr>
+          <a:xfrm>
+            <a:off x="695739" y="106018"/>
+            <a:ext cx="7467600" cy="543340"/>
+          </a:xfrm>
+          <a:solidFill>
+            <a:schemeClr val="accent2">
+              <a:lumMod val="60000"/>
+              <a:lumOff val="40000"/>
+            </a:schemeClr>
+          </a:solidFill>
+        </p:spPr>
+        <p:txBody>
+          <a:bodyPr>
+            <a:normAutofit fontScale="90000"/>
+          </a:bodyPr>
+          <a:lstStyle/>
+          <a:p>
+            <a:r>
+              <a:rPr lang="en-US" dirty="0">
+                <a:solidFill>
+                  <a:schemeClr val="bg1"/>
+                </a:solidFill>
+              </a:rPr>
+              <a:t>                         -:Continue…….</a:t>
+            </a:r>
+          </a:p>
+        </p:txBody>
+      </p:sp>
+      <p:sp>
+        <p:nvSpPr>
+          <p:cNvPr id="3" name="Content Placeholder 2">
+            <a:extLst>
+              <a:ext uri="{FF2B5EF4-FFF2-40B4-BE49-F238E27FC236}">
+                <a16:creationId xmlns:a16="http://schemas.microsoft.com/office/drawing/2014/main" id="{D9E7162D-A81B-4F95-8609-779B44BE4EB3}"/>
+              </a:ext>
+            </a:extLst>
+          </p:cNvPr>
+          <p:cNvSpPr>
+            <a:spLocks noGrp="1"/>
+          </p:cNvSpPr>
+          <p:nvPr>
+            <p:ph sz="quarter" idx="1"/>
+          </p:nvPr>
+        </p:nvSpPr>
+        <p:spPr>
+          <a:xfrm>
+            <a:off x="0" y="662609"/>
+            <a:ext cx="9143999" cy="6195391"/>
+          </a:xfrm>
+        </p:spPr>
+        <p:txBody>
+          <a:bodyPr>
+            <a:normAutofit/>
+          </a:bodyPr>
+          <a:lstStyle/>
+          <a:p>
+            <a:pPr marL="0" indent="0">
+              <a:buNone/>
+            </a:pPr>
+            <a:r>
+              <a:rPr lang="en-US" sz="2000" dirty="0">
+                <a:solidFill>
+                  <a:schemeClr val="bg2">
+                    <a:lumMod val="50000"/>
+                  </a:schemeClr>
+                </a:solidFill>
+              </a:rPr>
+              <a:t>VOLUME</a:t>
+            </a:r>
+            <a:r>
+              <a:rPr lang="en-US" sz="2000" dirty="0"/>
+              <a:t>  /</a:t>
+            </a:r>
+            <a:r>
+              <a:rPr lang="en-US" sz="2000" dirty="0" err="1"/>
+              <a:t>tmp</a:t>
+            </a:r>
+            <a:endParaRPr lang="en-US" sz="2000" dirty="0"/>
+          </a:p>
+          <a:p>
+            <a:pPr marL="0" indent="0">
+              <a:buNone/>
+            </a:pPr>
+            <a:r>
+              <a:rPr lang="en-US" sz="2000" dirty="0"/>
+              <a:t>The </a:t>
+            </a:r>
+            <a:r>
+              <a:rPr lang="en-US" sz="2000" b="1" i="1" dirty="0"/>
+              <a:t>VOLUME</a:t>
+            </a:r>
+            <a:r>
+              <a:rPr lang="en-US" sz="2000" dirty="0"/>
+              <a:t> command is used to enable access from your container to a directory on the host machine /</a:t>
+            </a:r>
+            <a:r>
+              <a:rPr lang="en-US" sz="2000" dirty="0" err="1"/>
+              <a:t>tmp</a:t>
+            </a:r>
+            <a:r>
+              <a:rPr lang="en-US" sz="2000" dirty="0"/>
+              <a:t> (i.e. mounting it).</a:t>
+            </a:r>
+          </a:p>
+          <a:p>
+            <a:pPr marL="0" indent="0">
+              <a:buNone/>
+            </a:pPr>
+            <a:r>
+              <a:rPr lang="en-US" sz="2000" dirty="0">
+                <a:solidFill>
+                  <a:schemeClr val="bg2">
+                    <a:lumMod val="50000"/>
+                  </a:schemeClr>
+                </a:solidFill>
+              </a:rPr>
+              <a:t>ADD</a:t>
+            </a:r>
+            <a:r>
+              <a:rPr lang="en-US" sz="2000" dirty="0"/>
+              <a:t> </a:t>
+            </a:r>
+            <a:r>
+              <a:rPr lang="en-US" sz="2000" b="1" dirty="0"/>
+              <a:t>target/journals-1.0.jar journals-1.0.jar</a:t>
+            </a:r>
+          </a:p>
+          <a:p>
+            <a:pPr marL="0" indent="0">
+              <a:buNone/>
+            </a:pPr>
+            <a:r>
+              <a:rPr lang="en-US" sz="2000" dirty="0"/>
+              <a:t>The </a:t>
+            </a:r>
+            <a:r>
+              <a:rPr lang="en-US" sz="2000" b="1" dirty="0"/>
+              <a:t>ADD</a:t>
+            </a:r>
+            <a:r>
+              <a:rPr lang="en-US" sz="2000" dirty="0"/>
+              <a:t> command gets two arguments: a source(target) and a destination. It basically copies the files(</a:t>
+            </a:r>
+            <a:r>
+              <a:rPr lang="en-US" sz="2000" b="1" dirty="0"/>
+              <a:t>journal-1.0.jar</a:t>
+            </a:r>
+            <a:r>
+              <a:rPr lang="en-US" sz="2000" dirty="0"/>
+              <a:t>) from the source on the host into the container's own filesystem at the set destination.</a:t>
+            </a:r>
+          </a:p>
+          <a:p>
+            <a:pPr marL="0" indent="0">
+              <a:buNone/>
+            </a:pPr>
+            <a:r>
+              <a:rPr lang="en-US" sz="2000" dirty="0">
+                <a:solidFill>
+                  <a:schemeClr val="bg2">
+                    <a:lumMod val="50000"/>
+                  </a:schemeClr>
+                </a:solidFill>
+              </a:rPr>
+              <a:t>EXPOSE</a:t>
+            </a:r>
+            <a:r>
+              <a:rPr lang="en-US" sz="2000" dirty="0"/>
+              <a:t> </a:t>
+            </a:r>
+            <a:r>
+              <a:rPr lang="en-US" sz="2000" b="1" dirty="0"/>
+              <a:t>8080</a:t>
+            </a:r>
+          </a:p>
+          <a:p>
+            <a:pPr marL="0" indent="0">
+              <a:buNone/>
+            </a:pPr>
+            <a:r>
+              <a:rPr lang="en-US" sz="2000" dirty="0"/>
+              <a:t>The </a:t>
+            </a:r>
+            <a:r>
+              <a:rPr lang="en-US" sz="2000" b="1" dirty="0"/>
+              <a:t>EXPOSE</a:t>
+            </a:r>
+            <a:r>
+              <a:rPr lang="en-US" sz="2000" dirty="0"/>
+              <a:t> command is used to associate a specified port to enable networking between the running process inside the container and the outside world (i.e. the host).</a:t>
+            </a:r>
+          </a:p>
+          <a:p>
+            <a:pPr marL="0" indent="0">
+              <a:buNone/>
+            </a:pPr>
+            <a:r>
+              <a:rPr lang="en-US" sz="2000" dirty="0">
+                <a:solidFill>
+                  <a:schemeClr val="bg2">
+                    <a:lumMod val="50000"/>
+                  </a:schemeClr>
+                </a:solidFill>
+              </a:rPr>
+              <a:t>ENTRYPOINT</a:t>
+            </a:r>
+            <a:r>
+              <a:rPr lang="en-US" sz="2000" dirty="0"/>
+              <a:t> </a:t>
+            </a:r>
+            <a:r>
+              <a:rPr lang="en-US" sz="2000" dirty="0">
+                <a:solidFill>
+                  <a:srgbClr val="FF0000"/>
+                </a:solidFill>
+              </a:rPr>
+              <a:t>["java","-jar","journals-1.0.jar"]</a:t>
+            </a:r>
+          </a:p>
+          <a:p>
+            <a:pPr marL="0" indent="0">
+              <a:buNone/>
+            </a:pPr>
+            <a:r>
+              <a:rPr lang="en-US" sz="2000" dirty="0"/>
+              <a:t>The </a:t>
+            </a:r>
+            <a:r>
+              <a:rPr lang="en-US" sz="2000" b="1" dirty="0"/>
+              <a:t>ENTRYPOINT</a:t>
+            </a:r>
+            <a:r>
+              <a:rPr lang="en-US" sz="2000" dirty="0"/>
+              <a:t> argument sets the concrete default application that is used every time a container is created using the image. For example, if you have installed a specific application inside an image and you will use this image to only run that application, you can state it with ENTRYPOINT and whenever a container is created from that image, your application will be the target.</a:t>
+            </a:r>
           </a:p>
         </p:txBody>
       </p:sp>
@@ -26350,6 +27288,1302 @@
     <p:extLst>
       <p:ext uri="{BB962C8B-B14F-4D97-AF65-F5344CB8AC3E}">
         <p14:creationId xmlns:p14="http://schemas.microsoft.com/office/powerpoint/2010/main" val="2329736311"/>
+      </p:ext>
+    </p:extLst>
+  </p:cSld>
+  <p:clrMapOvr>
+    <a:masterClrMapping/>
+  </p:clrMapOvr>
+</p:sld>
+</file>
+
+<file path=ppt/slides/slide70.xml><?xml version="1.0" encoding="utf-8"?>
+<p:sld xmlns:a="http://schemas.openxmlformats.org/drawingml/2006/main" xmlns:r="http://schemas.openxmlformats.org/officeDocument/2006/relationships" xmlns:p="http://schemas.openxmlformats.org/presentationml/2006/main">
+  <p:cSld>
+    <p:spTree>
+      <p:nvGrpSpPr>
+        <p:cNvPr id="1" name=""/>
+        <p:cNvGrpSpPr/>
+        <p:nvPr/>
+      </p:nvGrpSpPr>
+      <p:grpSpPr>
+        <a:xfrm>
+          <a:off x="0" y="0"/>
+          <a:ext cx="0" cy="0"/>
+          <a:chOff x="0" y="0"/>
+          <a:chExt cx="0" cy="0"/>
+        </a:xfrm>
+      </p:grpSpPr>
+      <p:sp>
+        <p:nvSpPr>
+          <p:cNvPr id="2" name="Title 1">
+            <a:extLst>
+              <a:ext uri="{FF2B5EF4-FFF2-40B4-BE49-F238E27FC236}">
+                <a16:creationId xmlns:a16="http://schemas.microsoft.com/office/drawing/2014/main" id="{E17734A7-73D5-49DD-B9BF-8E6EED8BD100}"/>
+              </a:ext>
+            </a:extLst>
+          </p:cNvPr>
+          <p:cNvSpPr>
+            <a:spLocks noGrp="1"/>
+          </p:cNvSpPr>
+          <p:nvPr>
+            <p:ph type="title"/>
+          </p:nvPr>
+        </p:nvSpPr>
+        <p:spPr>
+          <a:xfrm>
+            <a:off x="695739" y="106018"/>
+            <a:ext cx="7467600" cy="543340"/>
+          </a:xfrm>
+          <a:solidFill>
+            <a:schemeClr val="accent2">
+              <a:lumMod val="60000"/>
+              <a:lumOff val="40000"/>
+            </a:schemeClr>
+          </a:solidFill>
+        </p:spPr>
+        <p:txBody>
+          <a:bodyPr>
+            <a:normAutofit fontScale="90000"/>
+          </a:bodyPr>
+          <a:lstStyle/>
+          <a:p>
+            <a:r>
+              <a:rPr lang="en-US" dirty="0">
+                <a:solidFill>
+                  <a:schemeClr val="bg1"/>
+                </a:solidFill>
+              </a:rPr>
+              <a:t>                         -:Continue…….</a:t>
+            </a:r>
+          </a:p>
+        </p:txBody>
+      </p:sp>
+      <p:sp>
+        <p:nvSpPr>
+          <p:cNvPr id="3" name="Content Placeholder 2">
+            <a:extLst>
+              <a:ext uri="{FF2B5EF4-FFF2-40B4-BE49-F238E27FC236}">
+                <a16:creationId xmlns:a16="http://schemas.microsoft.com/office/drawing/2014/main" id="{D9E7162D-A81B-4F95-8609-779B44BE4EB3}"/>
+              </a:ext>
+            </a:extLst>
+          </p:cNvPr>
+          <p:cNvSpPr>
+            <a:spLocks noGrp="1"/>
+          </p:cNvSpPr>
+          <p:nvPr>
+            <p:ph sz="quarter" idx="1"/>
+          </p:nvPr>
+        </p:nvSpPr>
+        <p:spPr>
+          <a:xfrm>
+            <a:off x="0" y="662609"/>
+            <a:ext cx="9143999" cy="6195391"/>
+          </a:xfrm>
+        </p:spPr>
+        <p:txBody>
+          <a:bodyPr>
+            <a:normAutofit/>
+          </a:bodyPr>
+          <a:lstStyle/>
+          <a:p>
+            <a:pPr>
+              <a:buFont typeface="Wingdings" panose="05000000000000000000" pitchFamily="2" charset="2"/>
+              <a:buChar char="v"/>
+            </a:pPr>
+            <a:r>
+              <a:rPr lang="en-US" sz="2000" dirty="0"/>
+              <a:t>Now let’s build the docker file by specifying the name journal.</a:t>
+            </a:r>
+          </a:p>
+          <a:p>
+            <a:pPr>
+              <a:buFont typeface="Wingdings" panose="05000000000000000000" pitchFamily="2" charset="2"/>
+              <a:buChar char="v"/>
+            </a:pPr>
+            <a:endParaRPr lang="en-US" sz="2000" dirty="0"/>
+          </a:p>
+          <a:p>
+            <a:pPr>
+              <a:buFont typeface="Wingdings" panose="05000000000000000000" pitchFamily="2" charset="2"/>
+              <a:buChar char="v"/>
+            </a:pPr>
+            <a:endParaRPr lang="en-US" sz="2000" dirty="0"/>
+          </a:p>
+          <a:p>
+            <a:pPr>
+              <a:buFont typeface="Wingdings" panose="05000000000000000000" pitchFamily="2" charset="2"/>
+              <a:buChar char="v"/>
+            </a:pPr>
+            <a:endParaRPr lang="en-US" sz="2000" dirty="0"/>
+          </a:p>
+          <a:p>
+            <a:pPr>
+              <a:buFont typeface="Wingdings" panose="05000000000000000000" pitchFamily="2" charset="2"/>
+              <a:buChar char="v"/>
+            </a:pPr>
+            <a:endParaRPr lang="en-US" sz="2000" dirty="0"/>
+          </a:p>
+          <a:p>
+            <a:pPr>
+              <a:buFont typeface="Wingdings" panose="05000000000000000000" pitchFamily="2" charset="2"/>
+              <a:buChar char="v"/>
+            </a:pPr>
+            <a:endParaRPr lang="en-US" sz="2000" dirty="0"/>
+          </a:p>
+          <a:p>
+            <a:pPr>
+              <a:buFont typeface="Wingdings" panose="05000000000000000000" pitchFamily="2" charset="2"/>
+              <a:buChar char="v"/>
+            </a:pPr>
+            <a:endParaRPr lang="en-US" sz="2000" dirty="0"/>
+          </a:p>
+          <a:p>
+            <a:pPr>
+              <a:buFont typeface="Wingdings" panose="05000000000000000000" pitchFamily="2" charset="2"/>
+              <a:buChar char="v"/>
+            </a:pPr>
+            <a:endParaRPr lang="en-US" sz="2000" dirty="0"/>
+          </a:p>
+          <a:p>
+            <a:pPr>
+              <a:buFont typeface="Wingdings" panose="05000000000000000000" pitchFamily="2" charset="2"/>
+              <a:buChar char="v"/>
+            </a:pPr>
+            <a:endParaRPr lang="en-US" sz="2000" dirty="0"/>
+          </a:p>
+          <a:p>
+            <a:pPr>
+              <a:buFont typeface="Wingdings" panose="05000000000000000000" pitchFamily="2" charset="2"/>
+              <a:buChar char="v"/>
+            </a:pPr>
+            <a:endParaRPr lang="en-US" sz="2000" dirty="0"/>
+          </a:p>
+          <a:p>
+            <a:pPr>
+              <a:buFont typeface="Wingdings" panose="05000000000000000000" pitchFamily="2" charset="2"/>
+              <a:buChar char="v"/>
+            </a:pPr>
+            <a:endParaRPr lang="en-US" sz="2000" dirty="0"/>
+          </a:p>
+          <a:p>
+            <a:pPr>
+              <a:buFont typeface="Wingdings" panose="05000000000000000000" pitchFamily="2" charset="2"/>
+              <a:buChar char="v"/>
+            </a:pPr>
+            <a:endParaRPr lang="en-US" sz="2000" dirty="0"/>
+          </a:p>
+          <a:p>
+            <a:pPr marL="0" indent="0">
+              <a:buNone/>
+            </a:pPr>
+            <a:endParaRPr lang="en-US" sz="2000" dirty="0"/>
+          </a:p>
+          <a:p>
+            <a:pPr>
+              <a:buFont typeface="Wingdings" panose="05000000000000000000" pitchFamily="2" charset="2"/>
+              <a:buChar char="v"/>
+            </a:pPr>
+            <a:r>
+              <a:rPr lang="en-US" sz="2000" dirty="0"/>
+              <a:t>After the image is built we need to tag that image to push it to </a:t>
+            </a:r>
+            <a:r>
+              <a:rPr lang="en-US" sz="2000" dirty="0" err="1"/>
+              <a:t>dockerhub</a:t>
+            </a:r>
+            <a:r>
+              <a:rPr lang="en-US" sz="2000" dirty="0"/>
+              <a:t>.</a:t>
+            </a:r>
+          </a:p>
+          <a:p>
+            <a:pPr marL="0" indent="0">
+              <a:buNone/>
+            </a:pPr>
+            <a:r>
+              <a:rPr lang="en-US" sz="2000" dirty="0">
+                <a:solidFill>
+                  <a:srgbClr val="FF0000"/>
+                </a:solidFill>
+              </a:rPr>
+              <a:t>For more info on </a:t>
+            </a:r>
+            <a:r>
+              <a:rPr lang="en-US" sz="2000" dirty="0" err="1">
+                <a:solidFill>
+                  <a:srgbClr val="FF0000"/>
+                </a:solidFill>
+              </a:rPr>
+              <a:t>dockerhub</a:t>
+            </a:r>
+            <a:r>
+              <a:rPr lang="en-US" sz="2000" dirty="0">
+                <a:solidFill>
+                  <a:srgbClr val="FF0000"/>
+                </a:solidFill>
+              </a:rPr>
+              <a:t> visit </a:t>
+            </a:r>
+            <a:r>
+              <a:rPr lang="en-US" sz="2000" dirty="0">
+                <a:solidFill>
+                  <a:schemeClr val="accent2">
+                    <a:lumMod val="75000"/>
+                  </a:schemeClr>
+                </a:solidFill>
+              </a:rPr>
+              <a:t>https://hub.docker.com</a:t>
+            </a:r>
+          </a:p>
+          <a:p>
+            <a:pPr marL="0" indent="0">
+              <a:buNone/>
+            </a:pPr>
+            <a:endParaRPr lang="en-US" sz="2000" dirty="0">
+              <a:solidFill>
+                <a:srgbClr val="FF0000"/>
+              </a:solidFill>
+            </a:endParaRPr>
+          </a:p>
+          <a:p>
+            <a:pPr marL="0" indent="0">
+              <a:buNone/>
+            </a:pPr>
+            <a:endParaRPr lang="en-US" sz="2000" dirty="0"/>
+          </a:p>
+        </p:txBody>
+      </p:sp>
+      <p:pic>
+        <p:nvPicPr>
+          <p:cNvPr id="4" name="Picture 3">
+            <a:extLst>
+              <a:ext uri="{FF2B5EF4-FFF2-40B4-BE49-F238E27FC236}">
+                <a16:creationId xmlns:a16="http://schemas.microsoft.com/office/drawing/2014/main" id="{04302B4E-C84A-4845-BB4C-D9D8288CACC0}"/>
+              </a:ext>
+            </a:extLst>
+          </p:cNvPr>
+          <p:cNvPicPr>
+            <a:picLocks noChangeAspect="1"/>
+          </p:cNvPicPr>
+          <p:nvPr/>
+        </p:nvPicPr>
+        <p:blipFill>
+          <a:blip r:embed="rId2"/>
+          <a:stretch>
+            <a:fillRect/>
+          </a:stretch>
+        </p:blipFill>
+        <p:spPr>
+          <a:xfrm>
+            <a:off x="132522" y="1103596"/>
+            <a:ext cx="8852452" cy="4329795"/>
+          </a:xfrm>
+          <a:prstGeom prst="rect">
+            <a:avLst/>
+          </a:prstGeom>
+        </p:spPr>
+      </p:pic>
+    </p:spTree>
+    <p:extLst>
+      <p:ext uri="{BB962C8B-B14F-4D97-AF65-F5344CB8AC3E}">
+        <p14:creationId xmlns:p14="http://schemas.microsoft.com/office/powerpoint/2010/main" val="1483224356"/>
+      </p:ext>
+    </p:extLst>
+  </p:cSld>
+  <p:clrMapOvr>
+    <a:masterClrMapping/>
+  </p:clrMapOvr>
+</p:sld>
+</file>
+
+<file path=ppt/slides/slide71.xml><?xml version="1.0" encoding="utf-8"?>
+<p:sld xmlns:a="http://schemas.openxmlformats.org/drawingml/2006/main" xmlns:r="http://schemas.openxmlformats.org/officeDocument/2006/relationships" xmlns:p="http://schemas.openxmlformats.org/presentationml/2006/main">
+  <p:cSld>
+    <p:spTree>
+      <p:nvGrpSpPr>
+        <p:cNvPr id="1" name=""/>
+        <p:cNvGrpSpPr/>
+        <p:nvPr/>
+      </p:nvGrpSpPr>
+      <p:grpSpPr>
+        <a:xfrm>
+          <a:off x="0" y="0"/>
+          <a:ext cx="0" cy="0"/>
+          <a:chOff x="0" y="0"/>
+          <a:chExt cx="0" cy="0"/>
+        </a:xfrm>
+      </p:grpSpPr>
+      <p:sp>
+        <p:nvSpPr>
+          <p:cNvPr id="2" name="Title 1">
+            <a:extLst>
+              <a:ext uri="{FF2B5EF4-FFF2-40B4-BE49-F238E27FC236}">
+                <a16:creationId xmlns:a16="http://schemas.microsoft.com/office/drawing/2014/main" id="{E17734A7-73D5-49DD-B9BF-8E6EED8BD100}"/>
+              </a:ext>
+            </a:extLst>
+          </p:cNvPr>
+          <p:cNvSpPr>
+            <a:spLocks noGrp="1"/>
+          </p:cNvSpPr>
+          <p:nvPr>
+            <p:ph type="title"/>
+          </p:nvPr>
+        </p:nvSpPr>
+        <p:spPr>
+          <a:xfrm>
+            <a:off x="695739" y="106018"/>
+            <a:ext cx="7467600" cy="543340"/>
+          </a:xfrm>
+          <a:solidFill>
+            <a:schemeClr val="accent2">
+              <a:lumMod val="60000"/>
+              <a:lumOff val="40000"/>
+            </a:schemeClr>
+          </a:solidFill>
+        </p:spPr>
+        <p:txBody>
+          <a:bodyPr>
+            <a:normAutofit fontScale="90000"/>
+          </a:bodyPr>
+          <a:lstStyle/>
+          <a:p>
+            <a:r>
+              <a:rPr lang="en-US" dirty="0">
+                <a:solidFill>
+                  <a:schemeClr val="bg1"/>
+                </a:solidFill>
+              </a:rPr>
+              <a:t>                         -:Continue…….</a:t>
+            </a:r>
+          </a:p>
+        </p:txBody>
+      </p:sp>
+      <p:sp>
+        <p:nvSpPr>
+          <p:cNvPr id="3" name="Content Placeholder 2">
+            <a:extLst>
+              <a:ext uri="{FF2B5EF4-FFF2-40B4-BE49-F238E27FC236}">
+                <a16:creationId xmlns:a16="http://schemas.microsoft.com/office/drawing/2014/main" id="{D9E7162D-A81B-4F95-8609-779B44BE4EB3}"/>
+              </a:ext>
+            </a:extLst>
+          </p:cNvPr>
+          <p:cNvSpPr>
+            <a:spLocks noGrp="1"/>
+          </p:cNvSpPr>
+          <p:nvPr>
+            <p:ph sz="quarter" idx="1"/>
+          </p:nvPr>
+        </p:nvSpPr>
+        <p:spPr>
+          <a:xfrm>
+            <a:off x="0" y="662609"/>
+            <a:ext cx="9143999" cy="6195391"/>
+          </a:xfrm>
+        </p:spPr>
+        <p:txBody>
+          <a:bodyPr>
+            <a:normAutofit/>
+          </a:bodyPr>
+          <a:lstStyle/>
+          <a:p>
+            <a:pPr>
+              <a:buFont typeface="Wingdings" panose="05000000000000000000" pitchFamily="2" charset="2"/>
+              <a:buChar char="v"/>
+            </a:pPr>
+            <a:r>
+              <a:rPr lang="en-US" sz="2000" dirty="0"/>
+              <a:t>Let’s tag our journal image.</a:t>
+            </a:r>
+          </a:p>
+          <a:p>
+            <a:pPr>
+              <a:buFont typeface="Wingdings" panose="05000000000000000000" pitchFamily="2" charset="2"/>
+              <a:buChar char="v"/>
+            </a:pPr>
+            <a:endParaRPr lang="en-US" sz="2000" dirty="0"/>
+          </a:p>
+          <a:p>
+            <a:pPr>
+              <a:buFont typeface="Wingdings" panose="05000000000000000000" pitchFamily="2" charset="2"/>
+              <a:buChar char="v"/>
+            </a:pPr>
+            <a:endParaRPr lang="en-US" sz="2000" dirty="0"/>
+          </a:p>
+          <a:p>
+            <a:pPr>
+              <a:buFont typeface="Wingdings" panose="05000000000000000000" pitchFamily="2" charset="2"/>
+              <a:buChar char="v"/>
+            </a:pPr>
+            <a:endParaRPr lang="en-US" sz="2000" dirty="0"/>
+          </a:p>
+          <a:p>
+            <a:pPr marL="0" indent="0">
+              <a:buNone/>
+            </a:pPr>
+            <a:endParaRPr lang="en-US" sz="2000" dirty="0"/>
+          </a:p>
+          <a:p>
+            <a:pPr>
+              <a:buFont typeface="Wingdings" panose="05000000000000000000" pitchFamily="2" charset="2"/>
+              <a:buChar char="v"/>
+            </a:pPr>
+            <a:r>
+              <a:rPr lang="en-US" sz="2000" dirty="0"/>
+              <a:t>Now let’s push the tagged image to my docker hub </a:t>
+            </a:r>
+            <a:r>
+              <a:rPr lang="en-US" sz="1800" dirty="0"/>
+              <a:t>PUBLIC REPOSITORY.</a:t>
+            </a:r>
+          </a:p>
+          <a:p>
+            <a:pPr marL="0" indent="0">
+              <a:buNone/>
+            </a:pPr>
+            <a:r>
+              <a:rPr lang="en-US" sz="1800" dirty="0"/>
+              <a:t>Before that I need to login to my docker hub account from host cli.</a:t>
+            </a:r>
+          </a:p>
+          <a:p>
+            <a:pPr marL="0" indent="0">
+              <a:buNone/>
+            </a:pPr>
+            <a:endParaRPr lang="en-US" sz="1800" dirty="0"/>
+          </a:p>
+          <a:p>
+            <a:pPr marL="0" indent="0">
+              <a:buNone/>
+            </a:pPr>
+            <a:endParaRPr lang="en-US" sz="1800" dirty="0"/>
+          </a:p>
+          <a:p>
+            <a:pPr marL="0" indent="0">
+              <a:buNone/>
+            </a:pPr>
+            <a:endParaRPr lang="en-US" sz="1800" dirty="0"/>
+          </a:p>
+          <a:p>
+            <a:pPr marL="0" indent="0">
+              <a:buNone/>
+            </a:pPr>
+            <a:endParaRPr lang="en-US" sz="1800" dirty="0"/>
+          </a:p>
+          <a:p>
+            <a:pPr marL="0" indent="0">
+              <a:buNone/>
+            </a:pPr>
+            <a:r>
+              <a:rPr lang="en-US" sz="1800" dirty="0"/>
+              <a:t>Now let’s push the tagged image.</a:t>
+            </a:r>
+          </a:p>
+          <a:p>
+            <a:pPr marL="0" indent="0">
+              <a:buNone/>
+            </a:pPr>
+            <a:endParaRPr lang="en-US" sz="1800" dirty="0"/>
+          </a:p>
+          <a:p>
+            <a:pPr marL="0" indent="0">
+              <a:buNone/>
+            </a:pPr>
+            <a:endParaRPr lang="en-US" sz="2000" dirty="0"/>
+          </a:p>
+        </p:txBody>
+      </p:sp>
+      <p:pic>
+        <p:nvPicPr>
+          <p:cNvPr id="5" name="Picture 4">
+            <a:extLst>
+              <a:ext uri="{FF2B5EF4-FFF2-40B4-BE49-F238E27FC236}">
+                <a16:creationId xmlns:a16="http://schemas.microsoft.com/office/drawing/2014/main" id="{BB0AFA62-E4AB-4FCA-97F6-6985311F9095}"/>
+              </a:ext>
+            </a:extLst>
+          </p:cNvPr>
+          <p:cNvPicPr>
+            <a:picLocks noChangeAspect="1"/>
+          </p:cNvPicPr>
+          <p:nvPr/>
+        </p:nvPicPr>
+        <p:blipFill>
+          <a:blip r:embed="rId2"/>
+          <a:stretch>
+            <a:fillRect/>
+          </a:stretch>
+        </p:blipFill>
+        <p:spPr>
+          <a:xfrm>
+            <a:off x="271668" y="1081774"/>
+            <a:ext cx="8600662" cy="1502400"/>
+          </a:xfrm>
+          <a:prstGeom prst="rect">
+            <a:avLst/>
+          </a:prstGeom>
+        </p:spPr>
+      </p:pic>
+      <p:pic>
+        <p:nvPicPr>
+          <p:cNvPr id="6" name="Picture 5">
+            <a:extLst>
+              <a:ext uri="{FF2B5EF4-FFF2-40B4-BE49-F238E27FC236}">
+                <a16:creationId xmlns:a16="http://schemas.microsoft.com/office/drawing/2014/main" id="{CBC455A7-64F7-4947-99F6-035B2CBB7661}"/>
+              </a:ext>
+            </a:extLst>
+          </p:cNvPr>
+          <p:cNvPicPr>
+            <a:picLocks noChangeAspect="1"/>
+          </p:cNvPicPr>
+          <p:nvPr/>
+        </p:nvPicPr>
+        <p:blipFill>
+          <a:blip r:embed="rId3"/>
+          <a:stretch>
+            <a:fillRect/>
+          </a:stretch>
+        </p:blipFill>
+        <p:spPr>
+          <a:xfrm>
+            <a:off x="271668" y="3298548"/>
+            <a:ext cx="8600662" cy="1246947"/>
+          </a:xfrm>
+          <a:prstGeom prst="rect">
+            <a:avLst/>
+          </a:prstGeom>
+        </p:spPr>
+      </p:pic>
+      <p:pic>
+        <p:nvPicPr>
+          <p:cNvPr id="7" name="Picture 6">
+            <a:extLst>
+              <a:ext uri="{FF2B5EF4-FFF2-40B4-BE49-F238E27FC236}">
+                <a16:creationId xmlns:a16="http://schemas.microsoft.com/office/drawing/2014/main" id="{5FB92E63-5D4B-40A2-BF75-AF637470DEF5}"/>
+              </a:ext>
+            </a:extLst>
+          </p:cNvPr>
+          <p:cNvPicPr>
+            <a:picLocks noChangeAspect="1"/>
+          </p:cNvPicPr>
+          <p:nvPr/>
+        </p:nvPicPr>
+        <p:blipFill>
+          <a:blip r:embed="rId4"/>
+          <a:stretch>
+            <a:fillRect/>
+          </a:stretch>
+        </p:blipFill>
+        <p:spPr>
+          <a:xfrm>
+            <a:off x="271668" y="5139771"/>
+            <a:ext cx="8600662" cy="1473063"/>
+          </a:xfrm>
+          <a:prstGeom prst="rect">
+            <a:avLst/>
+          </a:prstGeom>
+        </p:spPr>
+      </p:pic>
+    </p:spTree>
+    <p:extLst>
+      <p:ext uri="{BB962C8B-B14F-4D97-AF65-F5344CB8AC3E}">
+        <p14:creationId xmlns:p14="http://schemas.microsoft.com/office/powerpoint/2010/main" val="2312197951"/>
+      </p:ext>
+    </p:extLst>
+  </p:cSld>
+  <p:clrMapOvr>
+    <a:masterClrMapping/>
+  </p:clrMapOvr>
+</p:sld>
+</file>
+
+<file path=ppt/slides/slide72.xml><?xml version="1.0" encoding="utf-8"?>
+<p:sld xmlns:a="http://schemas.openxmlformats.org/drawingml/2006/main" xmlns:r="http://schemas.openxmlformats.org/officeDocument/2006/relationships" xmlns:p="http://schemas.openxmlformats.org/presentationml/2006/main">
+  <p:cSld>
+    <p:spTree>
+      <p:nvGrpSpPr>
+        <p:cNvPr id="1" name=""/>
+        <p:cNvGrpSpPr/>
+        <p:nvPr/>
+      </p:nvGrpSpPr>
+      <p:grpSpPr>
+        <a:xfrm>
+          <a:off x="0" y="0"/>
+          <a:ext cx="0" cy="0"/>
+          <a:chOff x="0" y="0"/>
+          <a:chExt cx="0" cy="0"/>
+        </a:xfrm>
+      </p:grpSpPr>
+      <p:sp>
+        <p:nvSpPr>
+          <p:cNvPr id="2" name="Title 1">
+            <a:extLst>
+              <a:ext uri="{FF2B5EF4-FFF2-40B4-BE49-F238E27FC236}">
+                <a16:creationId xmlns:a16="http://schemas.microsoft.com/office/drawing/2014/main" id="{E17734A7-73D5-49DD-B9BF-8E6EED8BD100}"/>
+              </a:ext>
+            </a:extLst>
+          </p:cNvPr>
+          <p:cNvSpPr>
+            <a:spLocks noGrp="1"/>
+          </p:cNvSpPr>
+          <p:nvPr>
+            <p:ph type="title"/>
+          </p:nvPr>
+        </p:nvSpPr>
+        <p:spPr>
+          <a:xfrm>
+            <a:off x="695739" y="106018"/>
+            <a:ext cx="7467600" cy="543340"/>
+          </a:xfrm>
+          <a:solidFill>
+            <a:schemeClr val="accent2">
+              <a:lumMod val="60000"/>
+              <a:lumOff val="40000"/>
+            </a:schemeClr>
+          </a:solidFill>
+        </p:spPr>
+        <p:txBody>
+          <a:bodyPr>
+            <a:normAutofit fontScale="90000"/>
+          </a:bodyPr>
+          <a:lstStyle/>
+          <a:p>
+            <a:r>
+              <a:rPr lang="en-US" dirty="0">
+                <a:solidFill>
+                  <a:schemeClr val="bg1"/>
+                </a:solidFill>
+              </a:rPr>
+              <a:t>                         -:Continue…….</a:t>
+            </a:r>
+          </a:p>
+        </p:txBody>
+      </p:sp>
+      <p:sp>
+        <p:nvSpPr>
+          <p:cNvPr id="3" name="Content Placeholder 2">
+            <a:extLst>
+              <a:ext uri="{FF2B5EF4-FFF2-40B4-BE49-F238E27FC236}">
+                <a16:creationId xmlns:a16="http://schemas.microsoft.com/office/drawing/2014/main" id="{D9E7162D-A81B-4F95-8609-779B44BE4EB3}"/>
+              </a:ext>
+            </a:extLst>
+          </p:cNvPr>
+          <p:cNvSpPr>
+            <a:spLocks noGrp="1"/>
+          </p:cNvSpPr>
+          <p:nvPr>
+            <p:ph sz="quarter" idx="1"/>
+          </p:nvPr>
+        </p:nvSpPr>
+        <p:spPr>
+          <a:xfrm>
+            <a:off x="0" y="662609"/>
+            <a:ext cx="9143999" cy="6195391"/>
+          </a:xfrm>
+        </p:spPr>
+        <p:txBody>
+          <a:bodyPr>
+            <a:normAutofit/>
+          </a:bodyPr>
+          <a:lstStyle/>
+          <a:p>
+            <a:pPr marL="0" indent="0">
+              <a:buNone/>
+            </a:pPr>
+            <a:r>
+              <a:rPr lang="en-US" sz="2000" dirty="0"/>
+              <a:t>Now at the end let’s create a </a:t>
+            </a:r>
+            <a:r>
+              <a:rPr lang="en-US" sz="2000" b="1" dirty="0"/>
+              <a:t>docker-</a:t>
+            </a:r>
+            <a:r>
+              <a:rPr lang="en-US" sz="2000" b="1" dirty="0" err="1"/>
+              <a:t>compose.yml</a:t>
+            </a:r>
+            <a:r>
+              <a:rPr lang="en-US" sz="2000" b="1" dirty="0"/>
+              <a:t> </a:t>
+            </a:r>
+            <a:r>
+              <a:rPr lang="en-US" sz="2000" dirty="0"/>
+              <a:t>file, where we are going to add 2 container image </a:t>
+            </a:r>
+            <a:r>
+              <a:rPr lang="en-US" sz="2000" b="1" dirty="0"/>
+              <a:t>journal </a:t>
+            </a:r>
+            <a:r>
+              <a:rPr lang="en-US" sz="2000" dirty="0"/>
+              <a:t>and </a:t>
+            </a:r>
+            <a:r>
+              <a:rPr lang="en-US" sz="2000" b="1" dirty="0" err="1"/>
+              <a:t>mysql</a:t>
+            </a:r>
+            <a:r>
+              <a:rPr lang="en-US" sz="2000" b="1" dirty="0"/>
+              <a:t>.</a:t>
+            </a:r>
+          </a:p>
+          <a:p>
+            <a:pPr marL="0" indent="0">
+              <a:buNone/>
+            </a:pPr>
+            <a:r>
+              <a:rPr lang="en-US" sz="2000" dirty="0"/>
+              <a:t>Note:- As discussed earlier docker-compose file is a .</a:t>
+            </a:r>
+            <a:r>
+              <a:rPr lang="en-US" sz="2000" dirty="0" err="1"/>
+              <a:t>yml</a:t>
+            </a:r>
+            <a:r>
+              <a:rPr lang="en-US" sz="2000" dirty="0"/>
+              <a:t> extension file, inside which we define our multi container image’s.</a:t>
+            </a:r>
+          </a:p>
+          <a:p>
+            <a:pPr marL="0" indent="0">
+              <a:buNone/>
+            </a:pPr>
+            <a:endParaRPr lang="en-US" sz="2000" dirty="0"/>
+          </a:p>
+          <a:p>
+            <a:pPr marL="0" indent="0">
+              <a:buNone/>
+            </a:pPr>
+            <a:endParaRPr lang="en-US" sz="2000" dirty="0"/>
+          </a:p>
+          <a:p>
+            <a:pPr marL="0" indent="0">
+              <a:buNone/>
+            </a:pPr>
+            <a:endParaRPr lang="en-US" sz="2000" dirty="0"/>
+          </a:p>
+          <a:p>
+            <a:pPr marL="0" indent="0">
+              <a:buNone/>
+            </a:pPr>
+            <a:endParaRPr lang="en-US" sz="2000" dirty="0"/>
+          </a:p>
+          <a:p>
+            <a:pPr marL="0" indent="0">
+              <a:buNone/>
+            </a:pPr>
+            <a:endParaRPr lang="en-US" sz="2000" dirty="0"/>
+          </a:p>
+          <a:p>
+            <a:pPr marL="0" indent="0">
+              <a:buNone/>
+            </a:pPr>
+            <a:endParaRPr lang="en-US" sz="2000" dirty="0"/>
+          </a:p>
+          <a:p>
+            <a:pPr marL="0" indent="0">
+              <a:buNone/>
+            </a:pPr>
+            <a:endParaRPr lang="en-US" sz="2000" dirty="0"/>
+          </a:p>
+          <a:p>
+            <a:pPr marL="0" indent="0">
+              <a:buNone/>
+            </a:pPr>
+            <a:endParaRPr lang="en-US" sz="2000" dirty="0"/>
+          </a:p>
+          <a:p>
+            <a:pPr marL="0" indent="0">
+              <a:buNone/>
+            </a:pPr>
+            <a:endParaRPr lang="en-US" sz="2000" dirty="0"/>
+          </a:p>
+          <a:p>
+            <a:pPr marL="0" indent="0">
+              <a:buNone/>
+            </a:pPr>
+            <a:r>
+              <a:rPr lang="en-US" sz="2000" dirty="0"/>
+              <a:t>Now let’s  run the docker-compose file to run our entire application as images.</a:t>
+            </a:r>
+          </a:p>
+          <a:p>
+            <a:pPr marL="0" indent="0">
+              <a:buNone/>
+            </a:pPr>
+            <a:endParaRPr lang="en-US" sz="2000" dirty="0"/>
+          </a:p>
+          <a:p>
+            <a:pPr marL="0" indent="0">
+              <a:buNone/>
+            </a:pPr>
+            <a:endParaRPr lang="en-US" sz="2000" dirty="0"/>
+          </a:p>
+        </p:txBody>
+      </p:sp>
+      <p:pic>
+        <p:nvPicPr>
+          <p:cNvPr id="4" name="Picture 3">
+            <a:extLst>
+              <a:ext uri="{FF2B5EF4-FFF2-40B4-BE49-F238E27FC236}">
+                <a16:creationId xmlns:a16="http://schemas.microsoft.com/office/drawing/2014/main" id="{EA284AA7-8049-4782-8D25-3D7ECABD8BD0}"/>
+              </a:ext>
+            </a:extLst>
+          </p:cNvPr>
+          <p:cNvPicPr>
+            <a:picLocks noChangeAspect="1"/>
+          </p:cNvPicPr>
+          <p:nvPr/>
+        </p:nvPicPr>
+        <p:blipFill>
+          <a:blip r:embed="rId2"/>
+          <a:stretch>
+            <a:fillRect/>
+          </a:stretch>
+        </p:blipFill>
+        <p:spPr>
+          <a:xfrm>
+            <a:off x="198784" y="1974575"/>
+            <a:ext cx="7964556" cy="3154016"/>
+          </a:xfrm>
+          <a:prstGeom prst="rect">
+            <a:avLst/>
+          </a:prstGeom>
+        </p:spPr>
+      </p:pic>
+    </p:spTree>
+    <p:extLst>
+      <p:ext uri="{BB962C8B-B14F-4D97-AF65-F5344CB8AC3E}">
+        <p14:creationId xmlns:p14="http://schemas.microsoft.com/office/powerpoint/2010/main" val="2539830169"/>
+      </p:ext>
+    </p:extLst>
+  </p:cSld>
+  <p:clrMapOvr>
+    <a:masterClrMapping/>
+  </p:clrMapOvr>
+</p:sld>
+</file>
+
+<file path=ppt/slides/slide73.xml><?xml version="1.0" encoding="utf-8"?>
+<p:sld xmlns:a="http://schemas.openxmlformats.org/drawingml/2006/main" xmlns:r="http://schemas.openxmlformats.org/officeDocument/2006/relationships" xmlns:p="http://schemas.openxmlformats.org/presentationml/2006/main">
+  <p:cSld>
+    <p:spTree>
+      <p:nvGrpSpPr>
+        <p:cNvPr id="1" name=""/>
+        <p:cNvGrpSpPr/>
+        <p:nvPr/>
+      </p:nvGrpSpPr>
+      <p:grpSpPr>
+        <a:xfrm>
+          <a:off x="0" y="0"/>
+          <a:ext cx="0" cy="0"/>
+          <a:chOff x="0" y="0"/>
+          <a:chExt cx="0" cy="0"/>
+        </a:xfrm>
+      </p:grpSpPr>
+      <p:sp>
+        <p:nvSpPr>
+          <p:cNvPr id="2" name="Title 1">
+            <a:extLst>
+              <a:ext uri="{FF2B5EF4-FFF2-40B4-BE49-F238E27FC236}">
+                <a16:creationId xmlns:a16="http://schemas.microsoft.com/office/drawing/2014/main" id="{E17734A7-73D5-49DD-B9BF-8E6EED8BD100}"/>
+              </a:ext>
+            </a:extLst>
+          </p:cNvPr>
+          <p:cNvSpPr>
+            <a:spLocks noGrp="1"/>
+          </p:cNvSpPr>
+          <p:nvPr>
+            <p:ph type="title"/>
+          </p:nvPr>
+        </p:nvSpPr>
+        <p:spPr>
+          <a:xfrm>
+            <a:off x="695739" y="106018"/>
+            <a:ext cx="7467600" cy="543340"/>
+          </a:xfrm>
+          <a:solidFill>
+            <a:schemeClr val="accent2">
+              <a:lumMod val="60000"/>
+              <a:lumOff val="40000"/>
+            </a:schemeClr>
+          </a:solidFill>
+        </p:spPr>
+        <p:txBody>
+          <a:bodyPr>
+            <a:normAutofit fontScale="90000"/>
+          </a:bodyPr>
+          <a:lstStyle/>
+          <a:p>
+            <a:r>
+              <a:rPr lang="en-US" dirty="0">
+                <a:solidFill>
+                  <a:schemeClr val="bg1"/>
+                </a:solidFill>
+              </a:rPr>
+              <a:t>                         -:Continue…….</a:t>
+            </a:r>
+          </a:p>
+        </p:txBody>
+      </p:sp>
+      <p:pic>
+        <p:nvPicPr>
+          <p:cNvPr id="9" name="Content Placeholder 8">
+            <a:extLst>
+              <a:ext uri="{FF2B5EF4-FFF2-40B4-BE49-F238E27FC236}">
+                <a16:creationId xmlns:a16="http://schemas.microsoft.com/office/drawing/2014/main" id="{08D810D5-80A2-40AE-9027-FE589C79293F}"/>
+              </a:ext>
+            </a:extLst>
+          </p:cNvPr>
+          <p:cNvPicPr>
+            <a:picLocks noGrp="1" noChangeAspect="1"/>
+          </p:cNvPicPr>
+          <p:nvPr>
+            <p:ph sz="quarter" idx="1"/>
+          </p:nvPr>
+        </p:nvPicPr>
+        <p:blipFill>
+          <a:blip r:embed="rId2"/>
+          <a:stretch>
+            <a:fillRect/>
+          </a:stretch>
+        </p:blipFill>
+        <p:spPr>
+          <a:xfrm>
+            <a:off x="0" y="757860"/>
+            <a:ext cx="9144000" cy="1680539"/>
+          </a:xfrm>
+          <a:prstGeom prst="rect">
+            <a:avLst/>
+          </a:prstGeom>
+        </p:spPr>
+      </p:pic>
+      <p:pic>
+        <p:nvPicPr>
+          <p:cNvPr id="10" name="Picture 9">
+            <a:extLst>
+              <a:ext uri="{FF2B5EF4-FFF2-40B4-BE49-F238E27FC236}">
+                <a16:creationId xmlns:a16="http://schemas.microsoft.com/office/drawing/2014/main" id="{DC7E4F73-3C74-407E-B979-BE200B7370CA}"/>
+              </a:ext>
+            </a:extLst>
+          </p:cNvPr>
+          <p:cNvPicPr>
+            <a:picLocks noChangeAspect="1"/>
+          </p:cNvPicPr>
+          <p:nvPr/>
+        </p:nvPicPr>
+        <p:blipFill>
+          <a:blip r:embed="rId3"/>
+          <a:stretch>
+            <a:fillRect/>
+          </a:stretch>
+        </p:blipFill>
+        <p:spPr>
+          <a:xfrm>
+            <a:off x="0" y="2438401"/>
+            <a:ext cx="9144000" cy="2319130"/>
+          </a:xfrm>
+          <a:prstGeom prst="rect">
+            <a:avLst/>
+          </a:prstGeom>
+        </p:spPr>
+      </p:pic>
+      <p:pic>
+        <p:nvPicPr>
+          <p:cNvPr id="11" name="Picture 10">
+            <a:extLst>
+              <a:ext uri="{FF2B5EF4-FFF2-40B4-BE49-F238E27FC236}">
+                <a16:creationId xmlns:a16="http://schemas.microsoft.com/office/drawing/2014/main" id="{DBB3071E-AB8A-4CE7-90A4-A40F53F35E4D}"/>
+              </a:ext>
+            </a:extLst>
+          </p:cNvPr>
+          <p:cNvPicPr>
+            <a:picLocks noChangeAspect="1"/>
+          </p:cNvPicPr>
+          <p:nvPr/>
+        </p:nvPicPr>
+        <p:blipFill>
+          <a:blip r:embed="rId4"/>
+          <a:stretch>
+            <a:fillRect/>
+          </a:stretch>
+        </p:blipFill>
+        <p:spPr>
+          <a:xfrm>
+            <a:off x="0" y="4757530"/>
+            <a:ext cx="9144000" cy="1245000"/>
+          </a:xfrm>
+          <a:prstGeom prst="rect">
+            <a:avLst/>
+          </a:prstGeom>
+        </p:spPr>
+      </p:pic>
+    </p:spTree>
+    <p:extLst>
+      <p:ext uri="{BB962C8B-B14F-4D97-AF65-F5344CB8AC3E}">
+        <p14:creationId xmlns:p14="http://schemas.microsoft.com/office/powerpoint/2010/main" val="644339957"/>
+      </p:ext>
+    </p:extLst>
+  </p:cSld>
+  <p:clrMapOvr>
+    <a:masterClrMapping/>
+  </p:clrMapOvr>
+</p:sld>
+</file>
+
+<file path=ppt/slides/slide74.xml><?xml version="1.0" encoding="utf-8"?>
+<p:sld xmlns:a="http://schemas.openxmlformats.org/drawingml/2006/main" xmlns:r="http://schemas.openxmlformats.org/officeDocument/2006/relationships" xmlns:p="http://schemas.openxmlformats.org/presentationml/2006/main">
+  <p:cSld>
+    <p:spTree>
+      <p:nvGrpSpPr>
+        <p:cNvPr id="1" name=""/>
+        <p:cNvGrpSpPr/>
+        <p:nvPr/>
+      </p:nvGrpSpPr>
+      <p:grpSpPr>
+        <a:xfrm>
+          <a:off x="0" y="0"/>
+          <a:ext cx="0" cy="0"/>
+          <a:chOff x="0" y="0"/>
+          <a:chExt cx="0" cy="0"/>
+        </a:xfrm>
+      </p:grpSpPr>
+      <p:sp>
+        <p:nvSpPr>
+          <p:cNvPr id="2" name="Title 1">
+            <a:extLst>
+              <a:ext uri="{FF2B5EF4-FFF2-40B4-BE49-F238E27FC236}">
+                <a16:creationId xmlns:a16="http://schemas.microsoft.com/office/drawing/2014/main" id="{E17734A7-73D5-49DD-B9BF-8E6EED8BD100}"/>
+              </a:ext>
+            </a:extLst>
+          </p:cNvPr>
+          <p:cNvSpPr>
+            <a:spLocks noGrp="1"/>
+          </p:cNvSpPr>
+          <p:nvPr>
+            <p:ph type="title"/>
+          </p:nvPr>
+        </p:nvSpPr>
+        <p:spPr>
+          <a:xfrm>
+            <a:off x="695739" y="106018"/>
+            <a:ext cx="7467600" cy="543340"/>
+          </a:xfrm>
+          <a:solidFill>
+            <a:schemeClr val="accent2">
+              <a:lumMod val="60000"/>
+              <a:lumOff val="40000"/>
+            </a:schemeClr>
+          </a:solidFill>
+        </p:spPr>
+        <p:txBody>
+          <a:bodyPr>
+            <a:normAutofit fontScale="90000"/>
+          </a:bodyPr>
+          <a:lstStyle/>
+          <a:p>
+            <a:r>
+              <a:rPr lang="en-US" dirty="0">
+                <a:solidFill>
+                  <a:schemeClr val="bg1"/>
+                </a:solidFill>
+              </a:rPr>
+              <a:t>                         -:Continue…….</a:t>
+            </a:r>
+          </a:p>
+        </p:txBody>
+      </p:sp>
+      <p:sp>
+        <p:nvSpPr>
+          <p:cNvPr id="4" name="Content Placeholder 3">
+            <a:extLst>
+              <a:ext uri="{FF2B5EF4-FFF2-40B4-BE49-F238E27FC236}">
+                <a16:creationId xmlns:a16="http://schemas.microsoft.com/office/drawing/2014/main" id="{911C1041-EB36-4221-A3A5-B2CA2E840781}"/>
+              </a:ext>
+            </a:extLst>
+          </p:cNvPr>
+          <p:cNvSpPr>
+            <a:spLocks noGrp="1"/>
+          </p:cNvSpPr>
+          <p:nvPr>
+            <p:ph sz="quarter" idx="1"/>
+          </p:nvPr>
+        </p:nvSpPr>
+        <p:spPr>
+          <a:xfrm>
+            <a:off x="0" y="649358"/>
+            <a:ext cx="9144000" cy="6208642"/>
+          </a:xfrm>
+        </p:spPr>
+        <p:txBody>
+          <a:bodyPr/>
+          <a:lstStyle/>
+          <a:p>
+            <a:pPr marL="0" indent="0">
+              <a:buNone/>
+            </a:pPr>
+            <a:r>
+              <a:rPr lang="en-US" dirty="0"/>
+              <a:t>You can now open any browser and test your Application running locally.</a:t>
+            </a:r>
+          </a:p>
+          <a:p>
+            <a:pPr marL="0" indent="0">
+              <a:buNone/>
+            </a:pPr>
+            <a:r>
+              <a:rPr lang="en-US" dirty="0"/>
+              <a:t>Here I am using </a:t>
+            </a:r>
+            <a:r>
+              <a:rPr lang="en-US" dirty="0" err="1"/>
+              <a:t>elinks</a:t>
+            </a:r>
+            <a:r>
+              <a:rPr lang="en-US" dirty="0"/>
+              <a:t> to test this application.</a:t>
+            </a:r>
+          </a:p>
+          <a:p>
+            <a:pPr marL="0" indent="0">
+              <a:buNone/>
+            </a:pPr>
+            <a:endParaRPr lang="en-US" dirty="0"/>
+          </a:p>
+          <a:p>
+            <a:pPr marL="0" indent="0">
+              <a:buNone/>
+            </a:pPr>
+            <a:endParaRPr lang="en-US" dirty="0"/>
+          </a:p>
+          <a:p>
+            <a:pPr marL="0" indent="0">
+              <a:buNone/>
+            </a:pPr>
+            <a:endParaRPr lang="en-US" dirty="0"/>
+          </a:p>
+          <a:p>
+            <a:pPr marL="0" indent="0">
+              <a:buNone/>
+            </a:pPr>
+            <a:endParaRPr lang="en-US" dirty="0"/>
+          </a:p>
+          <a:p>
+            <a:pPr marL="0" indent="0">
+              <a:buNone/>
+            </a:pPr>
+            <a:endParaRPr lang="en-US" dirty="0"/>
+          </a:p>
+          <a:p>
+            <a:pPr marL="0" indent="0">
+              <a:buNone/>
+            </a:pPr>
+            <a:endParaRPr lang="en-US" dirty="0"/>
+          </a:p>
+          <a:p>
+            <a:pPr marL="0" indent="0">
+              <a:buNone/>
+            </a:pPr>
+            <a:endParaRPr lang="en-US" dirty="0"/>
+          </a:p>
+          <a:p>
+            <a:pPr marL="0" indent="0">
+              <a:buNone/>
+            </a:pPr>
+            <a:r>
+              <a:rPr lang="en-US" dirty="0"/>
+              <a:t>----------------------That’s It for Docker, Thanks-------------------------</a:t>
+            </a:r>
+          </a:p>
+          <a:p>
+            <a:pPr marL="0" indent="0">
+              <a:buNone/>
+            </a:pPr>
+            <a:endParaRPr lang="en-US" dirty="0"/>
+          </a:p>
+          <a:p>
+            <a:pPr marL="0" indent="0">
+              <a:buNone/>
+            </a:pPr>
+            <a:endParaRPr lang="en-US" dirty="0"/>
+          </a:p>
+          <a:p>
+            <a:pPr marL="0" indent="0">
+              <a:buNone/>
+            </a:pPr>
+            <a:endParaRPr lang="en-US" dirty="0"/>
+          </a:p>
+          <a:p>
+            <a:pPr marL="0" indent="0">
+              <a:buNone/>
+            </a:pPr>
+            <a:endParaRPr lang="en-US" dirty="0"/>
+          </a:p>
+        </p:txBody>
+      </p:sp>
+      <p:pic>
+        <p:nvPicPr>
+          <p:cNvPr id="5" name="Picture 4">
+            <a:extLst>
+              <a:ext uri="{FF2B5EF4-FFF2-40B4-BE49-F238E27FC236}">
+                <a16:creationId xmlns:a16="http://schemas.microsoft.com/office/drawing/2014/main" id="{DDFFE45B-F993-4C6F-ACD7-F26A7810AD2D}"/>
+              </a:ext>
+            </a:extLst>
+          </p:cNvPr>
+          <p:cNvPicPr>
+            <a:picLocks noChangeAspect="1"/>
+          </p:cNvPicPr>
+          <p:nvPr/>
+        </p:nvPicPr>
+        <p:blipFill>
+          <a:blip r:embed="rId2"/>
+          <a:stretch>
+            <a:fillRect/>
+          </a:stretch>
+        </p:blipFill>
+        <p:spPr>
+          <a:xfrm>
+            <a:off x="134384" y="1976230"/>
+            <a:ext cx="8519286" cy="448918"/>
+          </a:xfrm>
+          <a:prstGeom prst="rect">
+            <a:avLst/>
+          </a:prstGeom>
+        </p:spPr>
+      </p:pic>
+      <p:pic>
+        <p:nvPicPr>
+          <p:cNvPr id="6" name="Picture 5">
+            <a:extLst>
+              <a:ext uri="{FF2B5EF4-FFF2-40B4-BE49-F238E27FC236}">
+                <a16:creationId xmlns:a16="http://schemas.microsoft.com/office/drawing/2014/main" id="{11112E3C-E022-4B9D-AEBB-CDBF39447755}"/>
+              </a:ext>
+            </a:extLst>
+          </p:cNvPr>
+          <p:cNvPicPr>
+            <a:picLocks noChangeAspect="1"/>
+          </p:cNvPicPr>
+          <p:nvPr/>
+        </p:nvPicPr>
+        <p:blipFill>
+          <a:blip r:embed="rId3"/>
+          <a:stretch>
+            <a:fillRect/>
+          </a:stretch>
+        </p:blipFill>
+        <p:spPr>
+          <a:xfrm>
+            <a:off x="134384" y="2425148"/>
+            <a:ext cx="8519286" cy="2134138"/>
+          </a:xfrm>
+          <a:prstGeom prst="rect">
+            <a:avLst/>
+          </a:prstGeom>
+        </p:spPr>
+      </p:pic>
+    </p:spTree>
+    <p:extLst>
+      <p:ext uri="{BB962C8B-B14F-4D97-AF65-F5344CB8AC3E}">
+        <p14:creationId xmlns:p14="http://schemas.microsoft.com/office/powerpoint/2010/main" val="2182208416"/>
       </p:ext>
     </p:extLst>
   </p:cSld>
